--- a/slides/11グローバル化と格差.pptx
+++ b/slides/11グローバル化と格差.pptx
@@ -1145,6 +1145,34 @@
           <inkml:channelProperty channel="Y" name="resolution" value="1000" units="1/cm"/>
         </inkml:channelProperties>
       </inkml:inkSource>
+      <inkml:timestamp xml:id="ts0" timeString="2025-05-20T06:45:54.934"/>
+    </inkml:context>
+    <inkml:brush xml:id="br0">
+      <inkml:brushProperty name="width" value="0.2" units="cm"/>
+      <inkml:brushProperty name="height" value="0.4" units="cm"/>
+      <inkml:brushProperty name="color" value="#00FDFF"/>
+      <inkml:brushProperty name="tip" value="rectangle"/>
+      <inkml:brushProperty name="rasterOp" value="maskPen"/>
+    </inkml:brush>
+  </inkml:definitions>
+  <inkml:trace contextRef="#ctx0" brushRef="#br0">733 1236,'-32'4,"-9"-5,6-8,-26-11,-7-7,-16-10,11 0,-7-7,17 6,8 2,15 8,14 4,2-12,8-4,-1-10,8-4,2-8,5 5,3-15,8 9,4 5,10 3,7 10,21-5,15 1,5 2,12 4,-5 5,10 1,-6 7,9 8,-8 9,13 6,-5 3,-38 3,1 1,2-1,1 0,-5 0,1 1,1-1,-1 0,23 1,-7 0,-11 0,-7 0,0 0,-3 1,0 2,-5 2,-3 3,4 2,18 9,24 11,-37-13,2 1,2 2,-1 0,27 11,-15-1,-31-11,-11 5,-13-1,-5 10,-1 7,-4 9,-3 6,-5 3,-6 8,-3-5,-1-1,-1-12,0-10,-1-5,-2-3,-2-2,-5-2,-5 0,-6-4,-9 3,-7-5,-3-3,-11-4,4-5,-10-4,6-1,-9-2,7-1,-3 0,10 0,0 0,3 0,-3 0,-4 0,-3 0,2 0,-9 0,11 0,3 0,13 0,6 1,4 0,0 2,-1-3,3 1,8-1,11 0,10 0,8 0,-1 0</inkml:trace>
+</inkml:ink>
+</file>
+
+<file path=ppt/ink/ink42.xml><?xml version="1.0" encoding="utf-8"?>
+<inkml:ink xmlns:inkml="http://www.w3.org/2003/InkML">
+  <inkml:definitions>
+    <inkml:context xml:id="ctx0">
+      <inkml:inkSource xml:id="inkSrc0">
+        <inkml:traceFormat>
+          <inkml:channel name="X" type="integer" min="-2.14748E9" max="2.14748E9" units="cm"/>
+          <inkml:channel name="Y" type="integer" min="-2.14748E9" max="2.14748E9" units="cm"/>
+        </inkml:traceFormat>
+        <inkml:channelProperties>
+          <inkml:channelProperty channel="X" name="resolution" value="1000" units="1/cm"/>
+          <inkml:channelProperty channel="Y" name="resolution" value="1000" units="1/cm"/>
+        </inkml:channelProperties>
+      </inkml:inkSource>
       <inkml:timestamp xml:id="ts0" timeString="2024-06-03T07:01:46.586"/>
     </inkml:context>
     <inkml:brush xml:id="br0">
@@ -1159,7 +1187,7 @@
 </inkml:ink>
 </file>
 
-<file path=ppt/ink/ink42.xml><?xml version="1.0" encoding="utf-8"?>
+<file path=ppt/ink/ink43.xml><?xml version="1.0" encoding="utf-8"?>
 <inkml:ink xmlns:inkml="http://www.w3.org/2003/InkML">
   <inkml:definitions>
     <inkml:context xml:id="ctx0">
@@ -1187,7 +1215,7 @@
 </inkml:ink>
 </file>
 
-<file path=ppt/ink/ink43.xml><?xml version="1.0" encoding="utf-8"?>
+<file path=ppt/ink/ink44.xml><?xml version="1.0" encoding="utf-8"?>
 <inkml:ink xmlns:inkml="http://www.w3.org/2003/InkML">
   <inkml:definitions>
     <inkml:context xml:id="ctx0">
@@ -1215,7 +1243,7 @@
 </inkml:ink>
 </file>
 
-<file path=ppt/ink/ink44.xml><?xml version="1.0" encoding="utf-8"?>
+<file path=ppt/ink/ink45.xml><?xml version="1.0" encoding="utf-8"?>
 <inkml:ink xmlns:inkml="http://www.w3.org/2003/InkML">
   <inkml:definitions>
     <inkml:context xml:id="ctx0">
@@ -1243,7 +1271,7 @@
 </inkml:ink>
 </file>
 
-<file path=ppt/ink/ink45.xml><?xml version="1.0" encoding="utf-8"?>
+<file path=ppt/ink/ink46.xml><?xml version="1.0" encoding="utf-8"?>
 <inkml:ink xmlns:inkml="http://www.w3.org/2003/InkML">
   <inkml:definitions>
     <inkml:context xml:id="ctx0">
@@ -1271,7 +1299,7 @@
 </inkml:ink>
 </file>
 
-<file path=ppt/ink/ink46.xml><?xml version="1.0" encoding="utf-8"?>
+<file path=ppt/ink/ink47.xml><?xml version="1.0" encoding="utf-8"?>
 <inkml:ink xmlns:inkml="http://www.w3.org/2003/InkML">
   <inkml:definitions>
     <inkml:context xml:id="ctx0">
@@ -1299,7 +1327,7 @@
 </inkml:ink>
 </file>
 
-<file path=ppt/ink/ink47.xml><?xml version="1.0" encoding="utf-8"?>
+<file path=ppt/ink/ink48.xml><?xml version="1.0" encoding="utf-8"?>
 <inkml:ink xmlns:inkml="http://www.w3.org/2003/InkML">
   <inkml:definitions>
     <inkml:context xml:id="ctx0">
@@ -1327,7 +1355,7 @@
 </inkml:ink>
 </file>
 
-<file path=ppt/ink/ink48.xml><?xml version="1.0" encoding="utf-8"?>
+<file path=ppt/ink/ink49.xml><?xml version="1.0" encoding="utf-8"?>
 <inkml:ink xmlns:inkml="http://www.w3.org/2003/InkML">
   <inkml:definitions>
     <inkml:context xml:id="ctx0">
@@ -1352,34 +1380,6 @@
     </inkml:brush>
   </inkml:definitions>
   <inkml:trace contextRef="#ctx0" brushRef="#br0">1 154,'44'0,"5"0,-5 0,5 0,-7 0,-9 0,-10 0,-8 0,-4 0,4 0,17 0,24 0,18 0,14 0,-8 0,-15 0,-18 0,-23 0,-9 0,-7 0,5 0,10 0,27 0,16 0,10 0,-4 0,-17 0,-16 0,-15 0,-11 0,3 0,21 0,27 0,25 0,7 0,-9 0,-13-3,-12 0,-1 0,-2-2,4 0,-1-3,-5-1,-4 1,-6 3,-3-1,-2 1,3-1,1 1,0-1,0-1,-7 2,3 0,1 0,4 1,2-1,1 0,4 1,3-1,4 2,3-2,1 0,-2 2,-2-2,-6 1,1 1,2 1,7 2,11 0,2 0,0 0,-9 0,-11 0,-4 0,2 0,5 0,7 0,3 0,0 0,1 0,-4 0,-5 0,-5 0,-6 0,-1 0,1 0,4 0,5 0,3 0,3 0,2 0,2 3,1 0,-3 2,-3 4,-8-1,-12 0,-12-2,-12-2,-10-3,-6-2,-4-19,-2 12,0-11</inkml:trace>
-</inkml:ink>
-</file>
-
-<file path=ppt/ink/ink49.xml><?xml version="1.0" encoding="utf-8"?>
-<inkml:ink xmlns:inkml="http://www.w3.org/2003/InkML">
-  <inkml:definitions>
-    <inkml:context xml:id="ctx0">
-      <inkml:inkSource xml:id="inkSrc0">
-        <inkml:traceFormat>
-          <inkml:channel name="X" type="integer" min="-2.14748E9" max="2.14748E9" units="cm"/>
-          <inkml:channel name="Y" type="integer" min="-2.14748E9" max="2.14748E9" units="cm"/>
-        </inkml:traceFormat>
-        <inkml:channelProperties>
-          <inkml:channelProperty channel="X" name="resolution" value="1000" units="1/cm"/>
-          <inkml:channelProperty channel="Y" name="resolution" value="1000" units="1/cm"/>
-        </inkml:channelProperties>
-      </inkml:inkSource>
-      <inkml:timestamp xml:id="ts0" timeString="2024-06-03T07:04:29.213"/>
-    </inkml:context>
-    <inkml:brush xml:id="br0">
-      <inkml:brushProperty name="width" value="0.2" units="cm"/>
-      <inkml:brushProperty name="height" value="0.4" units="cm"/>
-      <inkml:brushProperty name="color" value="#FFFC00"/>
-      <inkml:brushProperty name="tip" value="rectangle"/>
-      <inkml:brushProperty name="rasterOp" value="maskPen"/>
-    </inkml:brush>
-  </inkml:definitions>
-  <inkml:trace contextRef="#ctx0" brushRef="#br0">1 1,'64'0,"26"0,-35 0,3 0,12 0,3 0,2 0,2 0,5 0,0 0,4 1,0 1,-4 0,-1 0,-2 0,-2 1,-9-2,-2 1,-7-2,-1 0,-4 0,-1 0,-2 0,0 0,0 0,1 0,-1 0,1 0,46 0,-7 0,-9 0,-8 0,-8 0,-2 0,-3 0,4 1,2 1,2 4,2 2,-1-1,-5 1,-9-3,-13-1,-13-1,-12-3,-7 0,-3 0,15 0,13 0,24 0,6 0,-4 0,-10 0,-14 0,-12 0,-10 0,-9 0,-4 0</inkml:trace>
 </inkml:ink>
 </file>
 
@@ -1425,6 +1425,34 @@
           <inkml:channelProperty channel="Y" name="resolution" value="1000" units="1/cm"/>
         </inkml:channelProperties>
       </inkml:inkSource>
+      <inkml:timestamp xml:id="ts0" timeString="2024-06-03T07:04:29.213"/>
+    </inkml:context>
+    <inkml:brush xml:id="br0">
+      <inkml:brushProperty name="width" value="0.2" units="cm"/>
+      <inkml:brushProperty name="height" value="0.4" units="cm"/>
+      <inkml:brushProperty name="color" value="#FFFC00"/>
+      <inkml:brushProperty name="tip" value="rectangle"/>
+      <inkml:brushProperty name="rasterOp" value="maskPen"/>
+    </inkml:brush>
+  </inkml:definitions>
+  <inkml:trace contextRef="#ctx0" brushRef="#br0">1 1,'64'0,"26"0,-35 0,3 0,12 0,3 0,2 0,2 0,5 0,0 0,4 1,0 1,-4 0,-1 0,-2 0,-2 1,-9-2,-2 1,-7-2,-1 0,-4 0,-1 0,-2 0,0 0,0 0,1 0,-1 0,1 0,46 0,-7 0,-9 0,-8 0,-8 0,-2 0,-3 0,4 1,2 1,2 4,2 2,-1-1,-5 1,-9-3,-13-1,-13-1,-12-3,-7 0,-3 0,15 0,13 0,24 0,6 0,-4 0,-10 0,-14 0,-12 0,-10 0,-9 0,-4 0</inkml:trace>
+</inkml:ink>
+</file>
+
+<file path=ppt/ink/ink51.xml><?xml version="1.0" encoding="utf-8"?>
+<inkml:ink xmlns:inkml="http://www.w3.org/2003/InkML">
+  <inkml:definitions>
+    <inkml:context xml:id="ctx0">
+      <inkml:inkSource xml:id="inkSrc0">
+        <inkml:traceFormat>
+          <inkml:channel name="X" type="integer" min="-2.14748E9" max="2.14748E9" units="cm"/>
+          <inkml:channel name="Y" type="integer" min="-2.14748E9" max="2.14748E9" units="cm"/>
+        </inkml:traceFormat>
+        <inkml:channelProperties>
+          <inkml:channelProperty channel="X" name="resolution" value="1000" units="1/cm"/>
+          <inkml:channelProperty channel="Y" name="resolution" value="1000" units="1/cm"/>
+        </inkml:channelProperties>
+      </inkml:inkSource>
       <inkml:timestamp xml:id="ts0" timeString="2024-06-03T07:05:21.280"/>
     </inkml:context>
     <inkml:brush xml:id="br0">
@@ -1439,7 +1467,7 @@
 </inkml:ink>
 </file>
 
-<file path=ppt/ink/ink51.xml><?xml version="1.0" encoding="utf-8"?>
+<file path=ppt/ink/ink52.xml><?xml version="1.0" encoding="utf-8"?>
 <inkml:ink xmlns:inkml="http://www.w3.org/2003/InkML">
   <inkml:definitions>
     <inkml:context xml:id="ctx0">
@@ -1467,7 +1495,7 @@
 </inkml:ink>
 </file>
 
-<file path=ppt/ink/ink52.xml><?xml version="1.0" encoding="utf-8"?>
+<file path=ppt/ink/ink53.xml><?xml version="1.0" encoding="utf-8"?>
 <inkml:ink xmlns:inkml="http://www.w3.org/2003/InkML">
   <inkml:definitions>
     <inkml:context xml:id="ctx0">
@@ -1495,7 +1523,7 @@
 </inkml:ink>
 </file>
 
-<file path=ppt/ink/ink53.xml><?xml version="1.0" encoding="utf-8"?>
+<file path=ppt/ink/ink54.xml><?xml version="1.0" encoding="utf-8"?>
 <inkml:ink xmlns:inkml="http://www.w3.org/2003/InkML">
   <inkml:definitions>
     <inkml:context xml:id="ctx0">
@@ -1523,7 +1551,7 @@
 </inkml:ink>
 </file>
 
-<file path=ppt/ink/ink54.xml><?xml version="1.0" encoding="utf-8"?>
+<file path=ppt/ink/ink55.xml><?xml version="1.0" encoding="utf-8"?>
 <inkml:ink xmlns:inkml="http://www.w3.org/2003/InkML">
   <inkml:definitions>
     <inkml:context xml:id="ctx0">
@@ -1551,7 +1579,7 @@
 </inkml:ink>
 </file>
 
-<file path=ppt/ink/ink55.xml><?xml version="1.0" encoding="utf-8"?>
+<file path=ppt/ink/ink56.xml><?xml version="1.0" encoding="utf-8"?>
 <inkml:ink xmlns:inkml="http://www.w3.org/2003/InkML">
   <inkml:definitions>
     <inkml:context xml:id="ctx0">
@@ -1579,7 +1607,7 @@
 </inkml:ink>
 </file>
 
-<file path=ppt/ink/ink56.xml><?xml version="1.0" encoding="utf-8"?>
+<file path=ppt/ink/ink57.xml><?xml version="1.0" encoding="utf-8"?>
 <inkml:ink xmlns:inkml="http://www.w3.org/2003/InkML">
   <inkml:definitions>
     <inkml:context xml:id="ctx0">
@@ -1607,7 +1635,7 @@
 </inkml:ink>
 </file>
 
-<file path=ppt/ink/ink57.xml><?xml version="1.0" encoding="utf-8"?>
+<file path=ppt/ink/ink58.xml><?xml version="1.0" encoding="utf-8"?>
 <inkml:ink xmlns:inkml="http://www.w3.org/2003/InkML">
   <inkml:definitions>
     <inkml:context xml:id="ctx0">
@@ -1635,7 +1663,7 @@
 </inkml:ink>
 </file>
 
-<file path=ppt/ink/ink58.xml><?xml version="1.0" encoding="utf-8"?>
+<file path=ppt/ink/ink59.xml><?xml version="1.0" encoding="utf-8"?>
 <inkml:ink xmlns:inkml="http://www.w3.org/2003/InkML">
   <inkml:definitions>
     <inkml:context xml:id="ctx0">
@@ -1660,34 +1688,6 @@
     </inkml:brush>
   </inkml:definitions>
   <inkml:trace contextRef="#ctx0" brushRef="#br0">1065 2602 24575,'-10'0'0,"-5"0"0,-7 0 0,-10 0 0,-12-1 0,-9-12 0,-8-13 0,-10-18 0,31 13 0,0-4 0,-3-3 0,0-2 0,-4-5 0,1-3 0,0-2 0,0-3 0,1 0 0,2-1 0,3 0 0,2 1 0,5 2 0,2 0 0,4 4 0,2-1 0,4 2 0,1-2 0,3-1 0,1-3 0,3-3 0,3-1 0,1-3 0,3-2 0,1-2 0,2 0 0,1 0 0,1 0 0,0 1 0,2 1 0,2 1 0,4 1 0,8-4 0,7 1 0,11-2 0,9 2 0,11-1 0,9 3 0,9-1 0,6 4 0,6 5 0,4 4-149,-26 17 0,2 2 0,0 2 149,1 2 0,1 1 0,0 2 0,30-5 0,-1 5 0,-6 5 0,-2 4 0,-9 5 0,-1 2 0,-6 3 0,-2 3 0,-7 3 0,-2 3 0,-2 6 0,-1 5 0,-3 6 0,-1 5 0,-1 9 0,-2 4 0,1 5 0,-2 3 0,-3 2 0,-3 3 0,-3 0 0,-5 1 0,-4 2 0,-4 1 223,-4 0 1,-3 2-224,-3 1 0,-3 0 0,-2 2 0,-3 1 0,-2-1 0,-2 0 0,-2 0 0,-1 0 0,-1 0 0,0 0 0,-2-2 0,-2-1 0,-4-1 0,-5-1 0,-4-3 0,-6-1 0,-5-3 0,-4-3 0,-3-2 0,-2-3 0,0-4 0,-2-3 0,-36 23 0,-2-12 0,-3-7 0,-5-7 0,-4-2 0,1-6 0,-1-6 0,4-4 0,8-2 0,8-1 0,11 0 0,13-3 0,12-4 0,12-3 0,1-2 0,-15 0 0,-21 0 0,-21 0 0,-7 0 0,34 0 0,15 0 0</inkml:trace>
-</inkml:ink>
-</file>
-
-<file path=ppt/ink/ink59.xml><?xml version="1.0" encoding="utf-8"?>
-<inkml:ink xmlns:inkml="http://www.w3.org/2003/InkML">
-  <inkml:definitions>
-    <inkml:context xml:id="ctx0">
-      <inkml:inkSource xml:id="inkSrc0">
-        <inkml:traceFormat>
-          <inkml:channel name="X" type="integer" min="-2.14748E9" max="2.14748E9" units="cm"/>
-          <inkml:channel name="Y" type="integer" min="-2.14748E9" max="2.14748E9" units="cm"/>
-          <inkml:channel name="F" type="integer" max="32767" units="dev"/>
-        </inkml:traceFormat>
-        <inkml:channelProperties>
-          <inkml:channelProperty channel="X" name="resolution" value="1000" units="1/cm"/>
-          <inkml:channelProperty channel="Y" name="resolution" value="1000" units="1/cm"/>
-          <inkml:channelProperty channel="F" name="resolution" value="0" units="1/dev"/>
-        </inkml:channelProperties>
-      </inkml:inkSource>
-      <inkml:timestamp xml:id="ts0" timeString="2024-06-03T07:07:12.962"/>
-    </inkml:context>
-    <inkml:brush xml:id="br0">
-      <inkml:brushProperty name="width" value="0.05" units="cm"/>
-      <inkml:brushProperty name="height" value="0.05" units="cm"/>
-      <inkml:brushProperty name="color" value="#0432FF"/>
-    </inkml:brush>
-  </inkml:definitions>
-  <inkml:trace contextRef="#ctx0" brushRef="#br0">5508 14745 24575,'-24'0'0,"-25"0"0,-1 0 0,-8 0 0,-36 1 0,-12-2 0,34 0 0,-5 0 0,-3-2 0,-1-2-881,-14-4 1,-3-2-1,-3-4 1,0-2 880,14-1 0,-1-3 0,-1-1 0,0-4 0,0-3 0,-2-5 0,-1-4 0,1-2 0,1-4 0,1-4 0,14 5 0,0-4 0,2-1 0,0-3 0,1-2 0,1-1-432,-1-4 0,0-2 1,2-2-1,0-1 1,1-2-1,2-2 432,-1-2 0,2-3 0,1-1 0,1-1 0,1 0 0,1-1 0,3 2 0,1 0 0,1-1 0,1-1 0,2 1 0,1 1 0,-7-10 0,2-1 0,2 2 0,1-1 0,2 2 0,5 7 0,2 1 0,1 0 0,1 1 0,2 1-255,-6-10 1,2 2 0,2 0-1,0 0 255,4 4 0,1-1 0,2 1 0,0 0 0,1 1 0,1 0 0,1 0 0,0 0 0,0 0 0,1 0 0,0 1 0,-1-1 0,1-2 0,-1 1 0,0 0 0,0-2 0,-1-3 0,-1 0 0,1-2 0,0-3-426,4 8 1,1-2-1,-1-2 1,2-2-1,0-1 426,4 6 0,0-1 0,1-1 0,1-2 0,0-1 0,1-2 0,3 4 0,0-2 0,0-1 0,1-1 0,1-2 0,1 0 0,1-1-236,0-7 1,1-1 0,1-1 0,1-2-1,1 0 1,0 0 0,2-1 235,1 10 0,2-1 0,-1 1 0,2-2 0,0 0 0,1 0 0,1-2 0,0 0-116,0 4 0,1-2 0,-1 0 0,2-1 0,0 0 0,1-1 0,1 0 0,1 1 1,1-1 115,2-3 0,1 1 0,0-1 0,2-1 0,1 1 0,1 0 0,1 0 0,1 0 0,1 1 0,0 2 0,1 0 0,1-1 0,1 2 0,2-1 0,0 1 0,1 1 0,2 0 0,1 1 0,1 2 0,1 0 0,2 0 0,1 1 0,0 1 0,2 0 0,1 2 0,2 0 0,0 2-175,4-5 0,2 2 0,1 0 0,1 2 0,1 1 0,1 0 0,1 2 0,-1 0 175,4-5 0,2 0 0,0 2 0,0 1 0,2 1 0,-1 0 0,1 1 0,-2 3 0,1 1 0,0 0 0,1 1 0,0 1 0,0 1 0,1 1 0,5-6 0,1 1 0,-1 1 0,2 2 0,0 0 0,1 2 18,-1 3 0,1 1 1,1 1-1,0 1 0,1 2 1,1 0-19,0 1 0,0 2 0,2 0 0,-1 2 0,2 1 0,-1 2 0,10-7 0,1 2 0,0 1 0,1 2 0,0 3 0,-1 2 0,0 2 0,1 2 0,0 3 0,-1 2 423,12-4 1,0 4 0,0 4-1,-1 3-423,-5 5 0,1 4 0,-1 2 0,2 3 0,2 2 0,1 2 0,1 3 0,0 3 0,1 4 0,-1 2 0,2 3 0,2 0 511,5 1 1,3 1 0,0 1-1,1 0-511,-15 0 0,0 1 0,2 0 0,-1 1 0,1 2 226,3 1 0,1 1 0,0 1 0,1 2 0,0 2-226,5 2 0,0 1 0,1 3 0,0 1 0,0 3 0,-14-2 0,0 3 0,0 0 0,1 2 0,-2 2 0,1 2 0,1 2 0,-1 2 0,1 1 0,-1 2 0,-1 2 0,-1 0 0,-2 1 0,-1 0 0,0 2 0,-1 2 0,-1 0 0,-2 3 0,-1 0 0,-1 2 0,-2 1 0,0 2 0,-1 1 0,-1 2 0,1 2 0,-1 3 0,-2 0 0,0 3 0,-1 1 0,0 2 0,0 3 0,0 2 0,-1 2 0,-1 1 0,-1 2 0,0 1-101,-8-7 0,0 1 1,-1 1-1,-1 1 1,0 1-1,-1 1 1,-2 0 100,1 3 0,-1 1 0,0 1 0,-2 1 0,-1 0 0,0 1 0,-3 1 0,0-1 0,-1 1 0,-2 1 0,-1 0 0,-1 1 0,-1 0 0,-1 1 0,-2-2 0,-1 2 0,-1-1 0,-2 1 0,0 1 0,-2 0 0,-1 2-248,0 3 1,-2 1 0,-1 1-1,-2 0 1,0 2 0,-1-1 0,-1 1 247,-1 3 0,0 1 0,-2 0 0,-1 1 0,0 0 0,-2 1 0,1 0-202,-4-10 0,0 0 0,0 1 0,-1 0 0,-1 1 1,0 0-1,-1 0 0,-1-1 202,1 2 0,-2 1 0,0-1 0,-1 1 0,0-1 0,0 1 0,-1-1 0,-1 0 0,1-2 0,-2-1 0,1 1 0,-1-1 0,0 0 0,-1 0 0,0 0 0,0 0-86,-1 11 0,1 0 1,-1 0-1,-1-1 0,0 1 1,-1-1-1,0-1 86,-1-1 0,0 0 0,-1-1 0,0 0 0,-2 0 0,0-1 0,-2 0 0,-1-1 0,-1 0 0,-1-1 0,-1 0 0,-1 0 0,-2 0 0,-1-1 0,-2-1 0,-2 1 0,0-1 0,-2-1 0,-2 0 0,-1 0 0,-2-1 0,-2 0 0,-1 0 0,-2-1 0,-2 0 0,-1-1 0,-1-1 0,-1 0 0,0-3 0,-1-1 0,-2 0 0,0-1 0,-1-1 0,-1-1 0,-1-1 0,-7 9 0,-1-1 0,0-2 0,-2-1 0,-1-1 0,-1-1 0,2-5 0,-2-1 0,0-1 0,-1-1 0,-1-1 0,0-1 137,0-3 0,0-1 0,-1-1 0,0-1 0,0 0 0,-1 0-137,1-2 0,-1 1 0,0-1 0,-1-1 0,2-1 0,0-1 0,-6 7 0,0-1 0,1-1 0,1-1 0,1-2 0,-9 9 0,2-2 0,1-2 0,2-1 529,10-9 0,0-1 0,3-1 0,0-3-529,-8 9 0,2-3 0,0-2 0,4-4 0,1-3 0,-1-2 0,-22 14 0,-3-6 0,-7-6 0,-3-4 0,-4-7 0,-3-5 0,22-11 0,-2-3 0,-1-2 0,0 0 0,-2-2 0,1-1 0,-1-1 0,0-1 0,0 0 0,-1 0 0,0 1 0,1 1 0,7-1 0,1 2 0,0 0 0,2 2 0,1 0 0,1 2 1852,-23 8 0,2 1-1852,8-1 0,1 0 0,4-1 0,5-4 0,-7 3 0,18-8 0</inkml:trace>
 </inkml:ink>
 </file>
 
@@ -1720,6 +1720,34 @@
 </file>
 
 <file path=ppt/ink/ink60.xml><?xml version="1.0" encoding="utf-8"?>
+<inkml:ink xmlns:inkml="http://www.w3.org/2003/InkML">
+  <inkml:definitions>
+    <inkml:context xml:id="ctx0">
+      <inkml:inkSource xml:id="inkSrc0">
+        <inkml:traceFormat>
+          <inkml:channel name="X" type="integer" min="-2.14748E9" max="2.14748E9" units="cm"/>
+          <inkml:channel name="Y" type="integer" min="-2.14748E9" max="2.14748E9" units="cm"/>
+          <inkml:channel name="F" type="integer" max="32767" units="dev"/>
+        </inkml:traceFormat>
+        <inkml:channelProperties>
+          <inkml:channelProperty channel="X" name="resolution" value="1000" units="1/cm"/>
+          <inkml:channelProperty channel="Y" name="resolution" value="1000" units="1/cm"/>
+          <inkml:channelProperty channel="F" name="resolution" value="0" units="1/dev"/>
+        </inkml:channelProperties>
+      </inkml:inkSource>
+      <inkml:timestamp xml:id="ts0" timeString="2024-06-03T07:07:12.962"/>
+    </inkml:context>
+    <inkml:brush xml:id="br0">
+      <inkml:brushProperty name="width" value="0.05" units="cm"/>
+      <inkml:brushProperty name="height" value="0.05" units="cm"/>
+      <inkml:brushProperty name="color" value="#0432FF"/>
+    </inkml:brush>
+  </inkml:definitions>
+  <inkml:trace contextRef="#ctx0" brushRef="#br0">5508 14745 24575,'-24'0'0,"-25"0"0,-1 0 0,-8 0 0,-36 1 0,-12-2 0,34 0 0,-5 0 0,-3-2 0,-1-2-881,-14-4 1,-3-2-1,-3-4 1,0-2 880,14-1 0,-1-3 0,-1-1 0,0-4 0,0-3 0,-2-5 0,-1-4 0,1-2 0,1-4 0,1-4 0,14 5 0,0-4 0,2-1 0,0-3 0,1-2 0,1-1-432,-1-4 0,0-2 1,2-2-1,0-1 1,1-2-1,2-2 432,-1-2 0,2-3 0,1-1 0,1-1 0,1 0 0,1-1 0,3 2 0,1 0 0,1-1 0,1-1 0,2 1 0,1 1 0,-7-10 0,2-1 0,2 2 0,1-1 0,2 2 0,5 7 0,2 1 0,1 0 0,1 1 0,2 1-255,-6-10 1,2 2 0,2 0-1,0 0 255,4 4 0,1-1 0,2 1 0,0 0 0,1 1 0,1 0 0,1 0 0,0 0 0,0 0 0,1 0 0,0 1 0,-1-1 0,1-2 0,-1 1 0,0 0 0,0-2 0,-1-3 0,-1 0 0,1-2 0,0-3-426,4 8 1,1-2-1,-1-2 1,2-2-1,0-1 426,4 6 0,0-1 0,1-1 0,1-2 0,0-1 0,1-2 0,3 4 0,0-2 0,0-1 0,1-1 0,1-2 0,1 0 0,1-1-236,0-7 1,1-1 0,1-1 0,1-2-1,1 0 1,0 0 0,2-1 235,1 10 0,2-1 0,-1 1 0,2-2 0,0 0 0,1 0 0,1-2 0,0 0-116,0 4 0,1-2 0,-1 0 0,2-1 0,0 0 0,1-1 0,1 0 0,1 1 1,1-1 115,2-3 0,1 1 0,0-1 0,2-1 0,1 1 0,1 0 0,1 0 0,1 0 0,1 1 0,0 2 0,1 0 0,1-1 0,1 2 0,2-1 0,0 1 0,1 1 0,2 0 0,1 1 0,1 2 0,1 0 0,2 0 0,1 1 0,0 1 0,2 0 0,1 2 0,2 0 0,0 2-175,4-5 0,2 2 0,1 0 0,1 2 0,1 1 0,1 0 0,1 2 0,-1 0 175,4-5 0,2 0 0,0 2 0,0 1 0,2 1 0,-1 0 0,1 1 0,-2 3 0,1 1 0,0 0 0,1 1 0,0 1 0,0 1 0,1 1 0,5-6 0,1 1 0,-1 1 0,2 2 0,0 0 0,1 2 18,-1 3 0,1 1 1,1 1-1,0 1 0,1 2 1,1 0-19,0 1 0,0 2 0,2 0 0,-1 2 0,2 1 0,-1 2 0,10-7 0,1 2 0,0 1 0,1 2 0,0 3 0,-1 2 0,0 2 0,1 2 0,0 3 0,-1 2 423,12-4 1,0 4 0,0 4-1,-1 3-423,-5 5 0,1 4 0,-1 2 0,2 3 0,2 2 0,1 2 0,1 3 0,0 3 0,1 4 0,-1 2 0,2 3 0,2 0 511,5 1 1,3 1 0,0 1-1,1 0-511,-15 0 0,0 1 0,2 0 0,-1 1 0,1 2 226,3 1 0,1 1 0,0 1 0,1 2 0,0 2-226,5 2 0,0 1 0,1 3 0,0 1 0,0 3 0,-14-2 0,0 3 0,0 0 0,1 2 0,-2 2 0,1 2 0,1 2 0,-1 2 0,1 1 0,-1 2 0,-1 2 0,-1 0 0,-2 1 0,-1 0 0,0 2 0,-1 2 0,-1 0 0,-2 3 0,-1 0 0,-1 2 0,-2 1 0,0 2 0,-1 1 0,-1 2 0,1 2 0,-1 3 0,-2 0 0,0 3 0,-1 1 0,0 2 0,0 3 0,0 2 0,-1 2 0,-1 1 0,-1 2 0,0 1-101,-8-7 0,0 1 1,-1 1-1,-1 1 1,0 1-1,-1 1 1,-2 0 100,1 3 0,-1 1 0,0 1 0,-2 1 0,-1 0 0,0 1 0,-3 1 0,0-1 0,-1 1 0,-2 1 0,-1 0 0,-1 1 0,-1 0 0,-1 1 0,-2-2 0,-1 2 0,-1-1 0,-2 1 0,0 1 0,-2 0 0,-1 2-248,0 3 1,-2 1 0,-1 1-1,-2 0 1,0 2 0,-1-1 0,-1 1 247,-1 3 0,0 1 0,-2 0 0,-1 1 0,0 0 0,-2 1 0,1 0-202,-4-10 0,0 0 0,0 1 0,-1 0 0,-1 1 1,0 0-1,-1 0 0,-1-1 202,1 2 0,-2 1 0,0-1 0,-1 1 0,0-1 0,0 1 0,-1-1 0,-1 0 0,1-2 0,-2-1 0,1 1 0,-1-1 0,0 0 0,-1 0 0,0 0 0,0 0-86,-1 11 0,1 0 1,-1 0-1,-1-1 0,0 1 1,-1-1-1,0-1 86,-1-1 0,0 0 0,-1-1 0,0 0 0,-2 0 0,0-1 0,-2 0 0,-1-1 0,-1 0 0,-1-1 0,-1 0 0,-1 0 0,-2 0 0,-1-1 0,-2-1 0,-2 1 0,0-1 0,-2-1 0,-2 0 0,-1 0 0,-2-1 0,-2 0 0,-1 0 0,-2-1 0,-2 0 0,-1-1 0,-1-1 0,-1 0 0,0-3 0,-1-1 0,-2 0 0,0-1 0,-1-1 0,-1-1 0,-1-1 0,-7 9 0,-1-1 0,0-2 0,-2-1 0,-1-1 0,-1-1 0,2-5 0,-2-1 0,0-1 0,-1-1 0,-1-1 0,0-1 137,0-3 0,0-1 0,-1-1 0,0-1 0,0 0 0,-1 0-137,1-2 0,-1 1 0,0-1 0,-1-1 0,2-1 0,0-1 0,-6 7 0,0-1 0,1-1 0,1-1 0,1-2 0,-9 9 0,2-2 0,1-2 0,2-1 529,10-9 0,0-1 0,3-1 0,0-3-529,-8 9 0,2-3 0,0-2 0,4-4 0,1-3 0,-1-2 0,-22 14 0,-3-6 0,-7-6 0,-3-4 0,-4-7 0,-3-5 0,22-11 0,-2-3 0,-1-2 0,0 0 0,-2-2 0,1-1 0,-1-1 0,0-1 0,0 0 0,-1 0 0,0 1 0,1 1 0,7-1 0,1 2 0,0 0 0,2 2 0,1 0 0,1 2 1852,-23 8 0,2 1-1852,8-1 0,1 0 0,4-1 0,5-4 0,-7 3 0,18-8 0</inkml:trace>
+</inkml:ink>
+</file>
+
+<file path=ppt/ink/ink61.xml><?xml version="1.0" encoding="utf-8"?>
 <inkml:ink xmlns:inkml="http://www.w3.org/2003/InkML">
   <inkml:definitions>
     <inkml:context xml:id="ctx0">
@@ -1913,7 +1941,7 @@
           <a:p>
             <a:fld id="{15D8E939-9ECB-9C46-A248-99A4B8126363}" type="datetimeFigureOut">
               <a:rPr lang="en-JP" smtClean="0"/>
-              <a:t>2024/06/03</a:t>
+              <a:t>5/20/25</a:t>
             </a:fld>
             <a:endParaRPr lang="en-JP"/>
           </a:p>
@@ -2498,7 +2526,7 @@
           <a:p>
             <a:fld id="{B305A450-B214-F843-90D3-43D45AB970BF}" type="datetime1">
               <a:rPr lang="en-US" smtClean="0"/>
-              <a:t>6/3/24</a:t>
+              <a:t>5/20/25</a:t>
             </a:fld>
             <a:endParaRPr lang="en-JP"/>
           </a:p>
@@ -2698,7 +2726,7 @@
           <a:p>
             <a:fld id="{3FE6076C-7478-7547-8EE6-BBCC8E0F5965}" type="datetime1">
               <a:rPr lang="en-US" smtClean="0"/>
-              <a:t>6/3/24</a:t>
+              <a:t>5/20/25</a:t>
             </a:fld>
             <a:endParaRPr lang="en-JP"/>
           </a:p>
@@ -2908,7 +2936,7 @@
           <a:p>
             <a:fld id="{9ACD9DBC-B76F-1F49-9ACB-B3C63B260788}" type="datetime1">
               <a:rPr lang="en-US" smtClean="0"/>
-              <a:t>6/3/24</a:t>
+              <a:t>5/20/25</a:t>
             </a:fld>
             <a:endParaRPr lang="en-JP"/>
           </a:p>
@@ -3108,7 +3136,7 @@
           <a:p>
             <a:fld id="{97256E53-50F3-8B41-827D-E71E7A78D7C8}" type="datetime1">
               <a:rPr lang="en-US" smtClean="0"/>
-              <a:t>6/3/24</a:t>
+              <a:t>5/20/25</a:t>
             </a:fld>
             <a:endParaRPr lang="en-JP"/>
           </a:p>
@@ -3384,7 +3412,7 @@
           <a:p>
             <a:fld id="{60AD3F61-4B41-B048-9345-533AA47C1AFA}" type="datetime1">
               <a:rPr lang="en-US" smtClean="0"/>
-              <a:t>6/3/24</a:t>
+              <a:t>5/20/25</a:t>
             </a:fld>
             <a:endParaRPr lang="en-JP"/>
           </a:p>
@@ -3652,7 +3680,7 @@
           <a:p>
             <a:fld id="{9E0C3DDA-75D5-FE45-B27F-09B23348A3CF}" type="datetime1">
               <a:rPr lang="en-US" smtClean="0"/>
-              <a:t>6/3/24</a:t>
+              <a:t>5/20/25</a:t>
             </a:fld>
             <a:endParaRPr lang="en-JP"/>
           </a:p>
@@ -4067,7 +4095,7 @@
           <a:p>
             <a:fld id="{91B16E66-205B-D348-AF09-8C13DA8BDFF9}" type="datetime1">
               <a:rPr lang="en-US" smtClean="0"/>
-              <a:t>6/3/24</a:t>
+              <a:t>5/20/25</a:t>
             </a:fld>
             <a:endParaRPr lang="en-JP"/>
           </a:p>
@@ -4209,7 +4237,7 @@
           <a:p>
             <a:fld id="{222CE9F2-560E-4648-82A4-0C4186C23AAC}" type="datetime1">
               <a:rPr lang="en-US" smtClean="0"/>
-              <a:t>6/3/24</a:t>
+              <a:t>5/20/25</a:t>
             </a:fld>
             <a:endParaRPr lang="en-JP"/>
           </a:p>
@@ -4322,7 +4350,7 @@
           <a:p>
             <a:fld id="{2914F908-ED62-3949-B616-21C7C363772F}" type="datetime1">
               <a:rPr lang="en-US" smtClean="0"/>
-              <a:t>6/3/24</a:t>
+              <a:t>5/20/25</a:t>
             </a:fld>
             <a:endParaRPr lang="en-JP"/>
           </a:p>
@@ -4635,7 +4663,7 @@
           <a:p>
             <a:fld id="{8280A505-8893-D540-9413-F8B9ED1E178A}" type="datetime1">
               <a:rPr lang="en-US" smtClean="0"/>
-              <a:t>6/3/24</a:t>
+              <a:t>5/20/25</a:t>
             </a:fld>
             <a:endParaRPr lang="en-JP"/>
           </a:p>
@@ -4924,7 +4952,7 @@
           <a:p>
             <a:fld id="{40CD7CE6-B77F-5744-9AB9-6E4139649818}" type="datetime1">
               <a:rPr lang="en-US" smtClean="0"/>
-              <a:t>6/3/24</a:t>
+              <a:t>5/20/25</a:t>
             </a:fld>
             <a:endParaRPr lang="en-JP"/>
           </a:p>
@@ -5167,7 +5195,7 @@
           <a:p>
             <a:fld id="{DC28B759-A9A1-7B41-B30F-900953345635}" type="datetime1">
               <a:rPr lang="en-US" smtClean="0"/>
-              <a:t>6/3/24</a:t>
+              <a:t>5/20/25</a:t>
             </a:fld>
             <a:endParaRPr lang="en-JP"/>
           </a:p>
@@ -9152,19 +9180,19 @@
               <a:t>中，</a:t>
             </a:r>
             <a:r>
-              <a:rPr lang="ja-JP" altLang="en-US" dirty="0"/>
+              <a:rPr lang="ja-JP" altLang="en-US" u="sng" dirty="0"/>
               <a:t>メキシコにおいても</a:t>
             </a:r>
             <a:r>
-              <a:rPr lang="en-US" altLang="ja-JP" dirty="0"/>
+              <a:rPr lang="en-US" altLang="ja-JP" u="sng" dirty="0"/>
               <a:t>1985</a:t>
             </a:r>
             <a:r>
-              <a:rPr lang="zh-CN" altLang="en-US" dirty="0"/>
+              <a:rPr lang="zh-CN" altLang="en-US" u="sng" dirty="0"/>
               <a:t>年以降，</a:t>
             </a:r>
             <a:r>
-              <a:rPr lang="zh-CN" altLang="en-US" dirty="0">
+              <a:rPr lang="zh-CN" altLang="en-US" u="sng" dirty="0">
                 <a:highlight>
                   <a:srgbClr val="FFFF00"/>
                 </a:highlight>
@@ -9172,58 +9200,58 @@
               <a:t>大卒労働者（高技能労働者）</a:t>
             </a:r>
             <a:r>
-              <a:rPr lang="ja-JP" altLang="en-US" dirty="0"/>
+              <a:rPr lang="ja-JP" altLang="en-US" u="sng" dirty="0"/>
               <a:t>の</a:t>
             </a:r>
             <a:r>
-              <a:rPr lang="zh-CN" altLang="en-US" dirty="0"/>
+              <a:rPr lang="zh-CN" altLang="en-US" u="sng" dirty="0"/>
               <a:t>賃金</a:t>
             </a:r>
             <a:r>
-              <a:rPr lang="ja-JP" altLang="en-US" dirty="0"/>
+              <a:rPr lang="ja-JP" altLang="en-US" u="sng" dirty="0"/>
               <a:t>は</a:t>
             </a:r>
             <a:r>
-              <a:rPr lang="zh-CN" altLang="en-US" dirty="0"/>
+              <a:rPr lang="zh-CN" altLang="en-US" u="sng" dirty="0"/>
               <a:t>高卒労働者（低技能労働者）</a:t>
             </a:r>
             <a:r>
-              <a:rPr lang="ja-JP" altLang="en-US" dirty="0"/>
+              <a:rPr lang="ja-JP" altLang="en-US" u="sng" dirty="0"/>
               <a:t>の</a:t>
             </a:r>
             <a:r>
-              <a:rPr lang="zh-CN" altLang="en-US" dirty="0"/>
+              <a:rPr lang="zh-CN" altLang="en-US" u="sng" dirty="0"/>
               <a:t>賃金</a:t>
             </a:r>
             <a:r>
-              <a:rPr lang="ja-JP" altLang="en-US" dirty="0"/>
+              <a:rPr lang="ja-JP" altLang="en-US" u="sng" dirty="0"/>
               <a:t>に</a:t>
             </a:r>
             <a:r>
-              <a:rPr lang="zh-CN" altLang="en-US" dirty="0"/>
+              <a:rPr lang="zh-CN" altLang="en-US" u="sng" dirty="0"/>
               <a:t>比</a:t>
             </a:r>
             <a:r>
-              <a:rPr lang="ja-JP" altLang="en-US" dirty="0"/>
+              <a:rPr lang="ja-JP" altLang="en-US" u="sng" dirty="0"/>
               <a:t>べて</a:t>
             </a:r>
             <a:r>
-              <a:rPr lang="zh-CN" altLang="en-US" dirty="0"/>
+              <a:rPr lang="zh-CN" altLang="en-US" u="sng" dirty="0"/>
               <a:t>劇的</a:t>
             </a:r>
             <a:r>
-              <a:rPr lang="ja-JP" altLang="en-US" dirty="0"/>
+              <a:rPr lang="ja-JP" altLang="en-US" u="sng" dirty="0"/>
               <a:t>に</a:t>
             </a:r>
             <a:r>
-              <a:rPr lang="zh-CN" altLang="en-US" dirty="0"/>
+              <a:rPr lang="zh-CN" altLang="en-US" u="sng" dirty="0"/>
               <a:t>上昇</a:t>
             </a:r>
             <a:r>
-              <a:rPr lang="ja-JP" altLang="en-US" dirty="0"/>
+              <a:rPr lang="ja-JP" altLang="en-US" u="sng" dirty="0"/>
               <a:t>。</a:t>
             </a:r>
-            <a:endParaRPr lang="en-JP" dirty="0"/>
+            <a:endParaRPr lang="en-JP" u="sng" dirty="0"/>
           </a:p>
         </p:txBody>
       </p:sp>
@@ -9949,6 +9977,92 @@
           </p:pic>
         </mc:Fallback>
       </mc:AlternateContent>
+      <mc:AlternateContent xmlns:mc="http://schemas.openxmlformats.org/markup-compatibility/2006">
+        <mc:Choice xmlns:p14="http://schemas.microsoft.com/office/powerpoint/2010/main" Requires="p14">
+          <p:contentPart p14:bwMode="auto" r:id="rId19">
+            <p14:nvContentPartPr>
+              <p14:cNvPr id="13" name="インク 12">
+                <a:extLst>
+                  <a:ext uri="{FF2B5EF4-FFF2-40B4-BE49-F238E27FC236}">
+                    <a16:creationId xmlns:a16="http://schemas.microsoft.com/office/drawing/2014/main" id="{7D5B890C-DAA9-731B-5A6E-451C8ED5E5F3}"/>
+                  </a:ext>
+                </a:extLst>
+              </p14:cNvPr>
+              <p14:cNvContentPartPr/>
+              <p14:nvPr/>
+            </p14:nvContentPartPr>
+            <p14:xfrm>
+              <a:off x="4200600" y="1659673"/>
+              <a:ext cx="894240" cy="446400"/>
+            </p14:xfrm>
+          </p:contentPart>
+        </mc:Choice>
+        <mc:Fallback>
+          <p:pic>
+            <p:nvPicPr>
+              <p:cNvPr id="13" name="インク 12">
+                <a:extLst>
+                  <a:ext uri="{FF2B5EF4-FFF2-40B4-BE49-F238E27FC236}">
+                    <a16:creationId xmlns:a16="http://schemas.microsoft.com/office/drawing/2014/main" id="{7D5B890C-DAA9-731B-5A6E-451C8ED5E5F3}"/>
+                  </a:ext>
+                </a:extLst>
+              </p:cNvPr>
+              <p:cNvPicPr/>
+              <p:nvPr/>
+            </p:nvPicPr>
+            <p:blipFill>
+              <a:blip r:embed="rId20"/>
+              <a:stretch>
+                <a:fillRect/>
+              </a:stretch>
+            </p:blipFill>
+            <p:spPr>
+              <a:xfrm>
+                <a:off x="4164600" y="1588033"/>
+                <a:ext cx="965880" cy="590040"/>
+              </a:xfrm>
+              <a:prstGeom prst="rect">
+                <a:avLst/>
+              </a:prstGeom>
+            </p:spPr>
+          </p:pic>
+        </mc:Fallback>
+      </mc:AlternateContent>
+      <p:sp>
+        <p:nvSpPr>
+          <p:cNvPr id="14" name="テキスト ボックス 13">
+            <a:extLst>
+              <a:ext uri="{FF2B5EF4-FFF2-40B4-BE49-F238E27FC236}">
+                <a16:creationId xmlns:a16="http://schemas.microsoft.com/office/drawing/2014/main" id="{02860BF9-D2AD-9896-83C4-47EE314174B3}"/>
+              </a:ext>
+            </a:extLst>
+          </p:cNvPr>
+          <p:cNvSpPr txBox="1"/>
+          <p:nvPr/>
+        </p:nvSpPr>
+        <p:spPr>
+          <a:xfrm>
+            <a:off x="8136835" y="1510748"/>
+            <a:ext cx="3647152" cy="369332"/>
+          </a:xfrm>
+          <a:prstGeom prst="rect">
+            <a:avLst/>
+          </a:prstGeom>
+          <a:noFill/>
+        </p:spPr>
+        <p:txBody>
+          <a:bodyPr wrap="none" rtlCol="0">
+            <a:spAutoFit/>
+          </a:bodyPr>
+          <a:lstStyle/>
+          <a:p>
+            <a:r>
+              <a:rPr kumimoji="1" lang="ja-JP" altLang="en-US"/>
+              <a:t>例）英語話せないと仕事できない</a:t>
+            </a:r>
+          </a:p>
+        </p:txBody>
+      </p:sp>
     </p:spTree>
     <p:extLst>
       <p:ext uri="{BB962C8B-B14F-4D97-AF65-F5344CB8AC3E}">
@@ -10090,7 +10204,7 @@
               <a:t>から</a:t>
             </a:r>
             <a:r>
-              <a:rPr lang="zh-CN" altLang="en-US" dirty="0">
+              <a:rPr lang="zh-CN" altLang="en-US" u="sng" dirty="0">
                 <a:solidFill>
                   <a:srgbClr val="0432FF"/>
                 </a:solidFill>
@@ -10098,7 +10212,7 @@
               <a:t>業務（</a:t>
             </a:r>
             <a:r>
-              <a:rPr lang="ja-JP" altLang="en-US" dirty="0">
+              <a:rPr lang="ja-JP" altLang="en-US" u="sng" dirty="0">
                 <a:solidFill>
                   <a:srgbClr val="0432FF"/>
                 </a:solidFill>
@@ -10106,7 +10220,7 @@
               <a:t>タスク）の</a:t>
             </a:r>
             <a:r>
-              <a:rPr lang="zh-CN" altLang="en-US" dirty="0">
+              <a:rPr lang="zh-CN" altLang="en-US" u="sng" dirty="0">
                 <a:solidFill>
                   <a:srgbClr val="0432FF"/>
                 </a:solidFill>
@@ -11973,8 +12087,8 @@
           </a:prstGeom>
         </p:spPr>
       </p:pic>
-      <mc:AlternateContent xmlns:mc="http://schemas.openxmlformats.org/markup-compatibility/2006">
-        <mc:Choice xmlns:p14="http://schemas.microsoft.com/office/powerpoint/2010/main" Requires="p14">
+      <mc:AlternateContent xmlns:mc="http://schemas.openxmlformats.org/markup-compatibility/2006" xmlns:p14="http://schemas.microsoft.com/office/powerpoint/2010/main">
+        <mc:Choice Requires="p14">
           <p:contentPart p14:bwMode="auto" r:id="rId4">
             <p14:nvContentPartPr>
               <p14:cNvPr id="3" name="Ink 2">
@@ -11993,7 +12107,7 @@
             </p14:xfrm>
           </p:contentPart>
         </mc:Choice>
-        <mc:Fallback>
+        <mc:Fallback xmlns="">
           <p:pic>
             <p:nvPicPr>
               <p:cNvPr id="3" name="Ink 2">
@@ -12024,8 +12138,8 @@
           </p:pic>
         </mc:Fallback>
       </mc:AlternateContent>
-      <mc:AlternateContent xmlns:mc="http://schemas.openxmlformats.org/markup-compatibility/2006">
-        <mc:Choice xmlns:p14="http://schemas.microsoft.com/office/powerpoint/2010/main" Requires="p14">
+      <mc:AlternateContent xmlns:mc="http://schemas.openxmlformats.org/markup-compatibility/2006" xmlns:p14="http://schemas.microsoft.com/office/powerpoint/2010/main">
+        <mc:Choice Requires="p14">
           <p:contentPart p14:bwMode="auto" r:id="rId6">
             <p14:nvContentPartPr>
               <p14:cNvPr id="5" name="Ink 4">
@@ -12044,7 +12158,7 @@
             </p14:xfrm>
           </p:contentPart>
         </mc:Choice>
-        <mc:Fallback>
+        <mc:Fallback xmlns="">
           <p:pic>
             <p:nvPicPr>
               <p:cNvPr id="5" name="Ink 4">
@@ -12075,8 +12189,8 @@
           </p:pic>
         </mc:Fallback>
       </mc:AlternateContent>
-      <mc:AlternateContent xmlns:mc="http://schemas.openxmlformats.org/markup-compatibility/2006">
-        <mc:Choice xmlns:p14="http://schemas.microsoft.com/office/powerpoint/2010/main" Requires="p14">
+      <mc:AlternateContent xmlns:mc="http://schemas.openxmlformats.org/markup-compatibility/2006" xmlns:p14="http://schemas.microsoft.com/office/powerpoint/2010/main">
+        <mc:Choice Requires="p14">
           <p:contentPart p14:bwMode="auto" r:id="rId8">
             <p14:nvContentPartPr>
               <p14:cNvPr id="6" name="Ink 5">
@@ -12095,7 +12209,7 @@
             </p14:xfrm>
           </p:contentPart>
         </mc:Choice>
-        <mc:Fallback>
+        <mc:Fallback xmlns="">
           <p:pic>
             <p:nvPicPr>
               <p:cNvPr id="6" name="Ink 5">
@@ -12126,8 +12240,8 @@
           </p:pic>
         </mc:Fallback>
       </mc:AlternateContent>
-      <mc:AlternateContent xmlns:mc="http://schemas.openxmlformats.org/markup-compatibility/2006">
-        <mc:Choice xmlns:p14="http://schemas.microsoft.com/office/powerpoint/2010/main" Requires="p14">
+      <mc:AlternateContent xmlns:mc="http://schemas.openxmlformats.org/markup-compatibility/2006" xmlns:p14="http://schemas.microsoft.com/office/powerpoint/2010/main">
+        <mc:Choice Requires="p14">
           <p:contentPart p14:bwMode="auto" r:id="rId10">
             <p14:nvContentPartPr>
               <p14:cNvPr id="7" name="Ink 6">
@@ -12146,7 +12260,7 @@
             </p14:xfrm>
           </p:contentPart>
         </mc:Choice>
-        <mc:Fallback>
+        <mc:Fallback xmlns="">
           <p:pic>
             <p:nvPicPr>
               <p:cNvPr id="7" name="Ink 6">
@@ -12177,8 +12291,8 @@
           </p:pic>
         </mc:Fallback>
       </mc:AlternateContent>
-      <mc:AlternateContent xmlns:mc="http://schemas.openxmlformats.org/markup-compatibility/2006">
-        <mc:Choice xmlns:p14="http://schemas.microsoft.com/office/powerpoint/2010/main" Requires="p14">
+      <mc:AlternateContent xmlns:mc="http://schemas.openxmlformats.org/markup-compatibility/2006" xmlns:p14="http://schemas.microsoft.com/office/powerpoint/2010/main">
+        <mc:Choice Requires="p14">
           <p:contentPart p14:bwMode="auto" r:id="rId12">
             <p14:nvContentPartPr>
               <p14:cNvPr id="8" name="Ink 7">
@@ -12197,7 +12311,7 @@
             </p14:xfrm>
           </p:contentPart>
         </mc:Choice>
-        <mc:Fallback>
+        <mc:Fallback xmlns="">
           <p:pic>
             <p:nvPicPr>
               <p:cNvPr id="8" name="Ink 7">
@@ -12228,8 +12342,8 @@
           </p:pic>
         </mc:Fallback>
       </mc:AlternateContent>
-      <mc:AlternateContent xmlns:mc="http://schemas.openxmlformats.org/markup-compatibility/2006">
-        <mc:Choice xmlns:p14="http://schemas.microsoft.com/office/powerpoint/2010/main" Requires="p14">
+      <mc:AlternateContent xmlns:mc="http://schemas.openxmlformats.org/markup-compatibility/2006" xmlns:p14="http://schemas.microsoft.com/office/powerpoint/2010/main">
+        <mc:Choice Requires="p14">
           <p:contentPart p14:bwMode="auto" r:id="rId14">
             <p14:nvContentPartPr>
               <p14:cNvPr id="9" name="Ink 8">
@@ -12248,7 +12362,7 @@
             </p14:xfrm>
           </p:contentPart>
         </mc:Choice>
-        <mc:Fallback>
+        <mc:Fallback xmlns="">
           <p:pic>
             <p:nvPicPr>
               <p:cNvPr id="9" name="Ink 8">
@@ -12279,8 +12393,8 @@
           </p:pic>
         </mc:Fallback>
       </mc:AlternateContent>
-      <mc:AlternateContent xmlns:mc="http://schemas.openxmlformats.org/markup-compatibility/2006">
-        <mc:Choice xmlns:p14="http://schemas.microsoft.com/office/powerpoint/2010/main" Requires="p14">
+      <mc:AlternateContent xmlns:mc="http://schemas.openxmlformats.org/markup-compatibility/2006" xmlns:p14="http://schemas.microsoft.com/office/powerpoint/2010/main">
+        <mc:Choice Requires="p14">
           <p:contentPart p14:bwMode="auto" r:id="rId16">
             <p14:nvContentPartPr>
               <p14:cNvPr id="10" name="Ink 9">
@@ -12299,7 +12413,7 @@
             </p14:xfrm>
           </p:contentPart>
         </mc:Choice>
-        <mc:Fallback>
+        <mc:Fallback xmlns="">
           <p:pic>
             <p:nvPicPr>
               <p:cNvPr id="10" name="Ink 9">
@@ -12330,8 +12444,8 @@
           </p:pic>
         </mc:Fallback>
       </mc:AlternateContent>
-      <mc:AlternateContent xmlns:mc="http://schemas.openxmlformats.org/markup-compatibility/2006">
-        <mc:Choice xmlns:p14="http://schemas.microsoft.com/office/powerpoint/2010/main" Requires="p14">
+      <mc:AlternateContent xmlns:mc="http://schemas.openxmlformats.org/markup-compatibility/2006" xmlns:p14="http://schemas.microsoft.com/office/powerpoint/2010/main">
+        <mc:Choice Requires="p14">
           <p:contentPart p14:bwMode="auto" r:id="rId18">
             <p14:nvContentPartPr>
               <p14:cNvPr id="11" name="Ink 10">
@@ -12350,7 +12464,7 @@
             </p14:xfrm>
           </p:contentPart>
         </mc:Choice>
-        <mc:Fallback>
+        <mc:Fallback xmlns="">
           <p:pic>
             <p:nvPicPr>
               <p:cNvPr id="11" name="Ink 10">
@@ -12381,8 +12495,8 @@
           </p:pic>
         </mc:Fallback>
       </mc:AlternateContent>
-      <mc:AlternateContent xmlns:mc="http://schemas.openxmlformats.org/markup-compatibility/2006">
-        <mc:Choice xmlns:p14="http://schemas.microsoft.com/office/powerpoint/2010/main" Requires="p14">
+      <mc:AlternateContent xmlns:mc="http://schemas.openxmlformats.org/markup-compatibility/2006" xmlns:p14="http://schemas.microsoft.com/office/powerpoint/2010/main">
+        <mc:Choice Requires="p14">
           <p:contentPart p14:bwMode="auto" r:id="rId20">
             <p14:nvContentPartPr>
               <p14:cNvPr id="12" name="Ink 11">
@@ -12401,7 +12515,7 @@
             </p14:xfrm>
           </p:contentPart>
         </mc:Choice>
-        <mc:Fallback>
+        <mc:Fallback xmlns="">
           <p:pic>
             <p:nvPicPr>
               <p:cNvPr id="12" name="Ink 11">
@@ -12432,8 +12546,8 @@
           </p:pic>
         </mc:Fallback>
       </mc:AlternateContent>
-      <mc:AlternateContent xmlns:mc="http://schemas.openxmlformats.org/markup-compatibility/2006">
-        <mc:Choice xmlns:p14="http://schemas.microsoft.com/office/powerpoint/2010/main" Requires="p14">
+      <mc:AlternateContent xmlns:mc="http://schemas.openxmlformats.org/markup-compatibility/2006" xmlns:p14="http://schemas.microsoft.com/office/powerpoint/2010/main">
+        <mc:Choice Requires="p14">
           <p:contentPart p14:bwMode="auto" r:id="rId22">
             <p14:nvContentPartPr>
               <p14:cNvPr id="13" name="Ink 12">
@@ -12452,7 +12566,7 @@
             </p14:xfrm>
           </p:contentPart>
         </mc:Choice>
-        <mc:Fallback>
+        <mc:Fallback xmlns="">
           <p:pic>
             <p:nvPicPr>
               <p:cNvPr id="13" name="Ink 12">
@@ -12483,8 +12597,8 @@
           </p:pic>
         </mc:Fallback>
       </mc:AlternateContent>
-      <mc:AlternateContent xmlns:mc="http://schemas.openxmlformats.org/markup-compatibility/2006">
-        <mc:Choice xmlns:p14="http://schemas.microsoft.com/office/powerpoint/2010/main" Requires="p14">
+      <mc:AlternateContent xmlns:mc="http://schemas.openxmlformats.org/markup-compatibility/2006" xmlns:p14="http://schemas.microsoft.com/office/powerpoint/2010/main">
+        <mc:Choice Requires="p14">
           <p:contentPart p14:bwMode="auto" r:id="rId24">
             <p14:nvContentPartPr>
               <p14:cNvPr id="14" name="Ink 13">
@@ -12503,7 +12617,7 @@
             </p14:xfrm>
           </p:contentPart>
         </mc:Choice>
-        <mc:Fallback>
+        <mc:Fallback xmlns="">
           <p:pic>
             <p:nvPicPr>
               <p:cNvPr id="14" name="Ink 13">
@@ -12534,8 +12648,8 @@
           </p:pic>
         </mc:Fallback>
       </mc:AlternateContent>
-      <mc:AlternateContent xmlns:mc="http://schemas.openxmlformats.org/markup-compatibility/2006">
-        <mc:Choice xmlns:p14="http://schemas.microsoft.com/office/powerpoint/2010/main" Requires="p14">
+      <mc:AlternateContent xmlns:mc="http://schemas.openxmlformats.org/markup-compatibility/2006" xmlns:p14="http://schemas.microsoft.com/office/powerpoint/2010/main">
+        <mc:Choice Requires="p14">
           <p:contentPart p14:bwMode="auto" r:id="rId26">
             <p14:nvContentPartPr>
               <p14:cNvPr id="15" name="Ink 14">
@@ -12554,7 +12668,7 @@
             </p14:xfrm>
           </p:contentPart>
         </mc:Choice>
-        <mc:Fallback>
+        <mc:Fallback xmlns="">
           <p:pic>
             <p:nvPicPr>
               <p:cNvPr id="15" name="Ink 14">
@@ -12585,8 +12699,8 @@
           </p:pic>
         </mc:Fallback>
       </mc:AlternateContent>
-      <mc:AlternateContent xmlns:mc="http://schemas.openxmlformats.org/markup-compatibility/2006">
-        <mc:Choice xmlns:p14="http://schemas.microsoft.com/office/powerpoint/2010/main" Requires="p14">
+      <mc:AlternateContent xmlns:mc="http://schemas.openxmlformats.org/markup-compatibility/2006" xmlns:p14="http://schemas.microsoft.com/office/powerpoint/2010/main">
+        <mc:Choice Requires="p14">
           <p:contentPart p14:bwMode="auto" r:id="rId28">
             <p14:nvContentPartPr>
               <p14:cNvPr id="16" name="Ink 15">
@@ -12605,7 +12719,7 @@
             </p14:xfrm>
           </p:contentPart>
         </mc:Choice>
-        <mc:Fallback>
+        <mc:Fallback xmlns="">
           <p:pic>
             <p:nvPicPr>
               <p:cNvPr id="16" name="Ink 15">
@@ -12656,8 +12770,8 @@
             <a:chExt cx="5397120" cy="5308560"/>
           </a:xfrm>
         </p:grpSpPr>
-        <mc:AlternateContent xmlns:mc="http://schemas.openxmlformats.org/markup-compatibility/2006">
-          <mc:Choice xmlns:p14="http://schemas.microsoft.com/office/powerpoint/2010/main" Requires="p14">
+        <mc:AlternateContent xmlns:mc="http://schemas.openxmlformats.org/markup-compatibility/2006" xmlns:p14="http://schemas.microsoft.com/office/powerpoint/2010/main">
+          <mc:Choice Requires="p14">
             <p:contentPart p14:bwMode="auto" r:id="rId30">
               <p14:nvContentPartPr>
                 <p14:cNvPr id="17" name="Ink 16">
@@ -12676,7 +12790,7 @@
               </p14:xfrm>
             </p:contentPart>
           </mc:Choice>
-          <mc:Fallback>
+          <mc:Fallback xmlns="">
             <p:pic>
               <p:nvPicPr>
                 <p:cNvPr id="17" name="Ink 16">
@@ -12707,8 +12821,8 @@
             </p:pic>
           </mc:Fallback>
         </mc:AlternateContent>
-        <mc:AlternateContent xmlns:mc="http://schemas.openxmlformats.org/markup-compatibility/2006">
-          <mc:Choice xmlns:p14="http://schemas.microsoft.com/office/powerpoint/2010/main" Requires="p14">
+        <mc:AlternateContent xmlns:mc="http://schemas.openxmlformats.org/markup-compatibility/2006" xmlns:p14="http://schemas.microsoft.com/office/powerpoint/2010/main">
+          <mc:Choice Requires="p14">
             <p:contentPart p14:bwMode="auto" r:id="rId32">
               <p14:nvContentPartPr>
                 <p14:cNvPr id="18" name="Ink 17">
@@ -12727,7 +12841,7 @@
               </p14:xfrm>
             </p:contentPart>
           </mc:Choice>
-          <mc:Fallback>
+          <mc:Fallback xmlns="">
             <p:pic>
               <p:nvPicPr>
                 <p:cNvPr id="18" name="Ink 17">
@@ -12758,8 +12872,8 @@
             </p:pic>
           </mc:Fallback>
         </mc:AlternateContent>
-        <mc:AlternateContent xmlns:mc="http://schemas.openxmlformats.org/markup-compatibility/2006">
-          <mc:Choice xmlns:p14="http://schemas.microsoft.com/office/powerpoint/2010/main" Requires="p14">
+        <mc:AlternateContent xmlns:mc="http://schemas.openxmlformats.org/markup-compatibility/2006" xmlns:p14="http://schemas.microsoft.com/office/powerpoint/2010/main">
+          <mc:Choice Requires="p14">
             <p:contentPart p14:bwMode="auto" r:id="rId34">
               <p14:nvContentPartPr>
                 <p14:cNvPr id="20" name="Ink 19">
@@ -12778,7 +12892,7 @@
               </p14:xfrm>
             </p:contentPart>
           </mc:Choice>
-          <mc:Fallback>
+          <mc:Fallback xmlns="">
             <p:pic>
               <p:nvPicPr>
                 <p:cNvPr id="20" name="Ink 19">
@@ -12809,8 +12923,8 @@
             </p:pic>
           </mc:Fallback>
         </mc:AlternateContent>
-        <mc:AlternateContent xmlns:mc="http://schemas.openxmlformats.org/markup-compatibility/2006">
-          <mc:Choice xmlns:p14="http://schemas.microsoft.com/office/powerpoint/2010/main" Requires="p14">
+        <mc:AlternateContent xmlns:mc="http://schemas.openxmlformats.org/markup-compatibility/2006" xmlns:p14="http://schemas.microsoft.com/office/powerpoint/2010/main">
+          <mc:Choice Requires="p14">
             <p:contentPart p14:bwMode="auto" r:id="rId36">
               <p14:nvContentPartPr>
                 <p14:cNvPr id="21" name="Ink 20">
@@ -12829,7 +12943,7 @@
               </p14:xfrm>
             </p:contentPart>
           </mc:Choice>
-          <mc:Fallback>
+          <mc:Fallback xmlns="">
             <p:pic>
               <p:nvPicPr>
                 <p:cNvPr id="21" name="Ink 20">
@@ -12860,8 +12974,8 @@
             </p:pic>
           </mc:Fallback>
         </mc:AlternateContent>
-        <mc:AlternateContent xmlns:mc="http://schemas.openxmlformats.org/markup-compatibility/2006">
-          <mc:Choice xmlns:p14="http://schemas.microsoft.com/office/powerpoint/2010/main" Requires="p14">
+        <mc:AlternateContent xmlns:mc="http://schemas.openxmlformats.org/markup-compatibility/2006" xmlns:p14="http://schemas.microsoft.com/office/powerpoint/2010/main">
+          <mc:Choice Requires="p14">
             <p:contentPart p14:bwMode="auto" r:id="rId38">
               <p14:nvContentPartPr>
                 <p14:cNvPr id="22" name="Ink 21">
@@ -12880,7 +12994,7 @@
               </p14:xfrm>
             </p:contentPart>
           </mc:Choice>
-          <mc:Fallback>
+          <mc:Fallback xmlns="">
             <p:pic>
               <p:nvPicPr>
                 <p:cNvPr id="22" name="Ink 21">
@@ -12911,8 +13025,8 @@
             </p:pic>
           </mc:Fallback>
         </mc:AlternateContent>
-        <mc:AlternateContent xmlns:mc="http://schemas.openxmlformats.org/markup-compatibility/2006">
-          <mc:Choice xmlns:p14="http://schemas.microsoft.com/office/powerpoint/2010/main" Requires="p14">
+        <mc:AlternateContent xmlns:mc="http://schemas.openxmlformats.org/markup-compatibility/2006" xmlns:p14="http://schemas.microsoft.com/office/powerpoint/2010/main">
+          <mc:Choice Requires="p14">
             <p:contentPart p14:bwMode="auto" r:id="rId40">
               <p14:nvContentPartPr>
                 <p14:cNvPr id="24" name="Ink 23">
@@ -12931,7 +13045,7 @@
               </p14:xfrm>
             </p:contentPart>
           </mc:Choice>
-          <mc:Fallback>
+          <mc:Fallback xmlns="">
             <p:pic>
               <p:nvPicPr>
                 <p:cNvPr id="24" name="Ink 23">
@@ -18992,13 +19106,22 @@
           <a:lstStyle/>
           <a:p>
             <a:r>
+              <a:rPr lang="ja-JP" altLang="ja-JP" sz="2400" u="sng" dirty="0">
+                <a:effectLst/>
+                <a:latin typeface="ＭＳ Ｐゴシック" panose="020B0600070205080204" pitchFamily="50" charset="-128"/>
+                <a:ea typeface="ＭＳ Ｐゴシック" panose="020B0600070205080204" pitchFamily="50" charset="-128"/>
+                <a:cs typeface="ＭＳ 明朝" panose="02020609040205080304" pitchFamily="17" charset="-128"/>
+              </a:rPr>
+              <a:t>製造業で職を失った人々が非製造業でこれまでのような賃金の職</a:t>
+            </a:r>
+            <a:r>
               <a:rPr lang="ja-JP" altLang="ja-JP" sz="2400" dirty="0">
                 <a:effectLst/>
                 <a:latin typeface="ＭＳ Ｐゴシック" panose="020B0600070205080204" pitchFamily="50" charset="-128"/>
                 <a:ea typeface="ＭＳ Ｐゴシック" panose="020B0600070205080204" pitchFamily="50" charset="-128"/>
                 <a:cs typeface="ＭＳ 明朝" panose="02020609040205080304" pitchFamily="17" charset="-128"/>
               </a:rPr>
-              <a:t>製造業で職を失った人々が非製造業でこれまでのような賃金の職を見つけられなかったことが分かってきた。</a:t>
+              <a:t>を見つけられなかったことが分かってきた。</a:t>
             </a:r>
             <a:endParaRPr lang="en-US" altLang="ja-JP" sz="2400" dirty="0">
               <a:effectLst/>
@@ -19015,7 +19138,25 @@
                 <a:ea typeface="ＭＳ Ｐゴシック" panose="020B0600070205080204" pitchFamily="50" charset="-128"/>
                 <a:cs typeface="ＭＳ 明朝" panose="02020609040205080304" pitchFamily="17" charset="-128"/>
               </a:rPr>
-              <a:t>製造業の産業レベルの輸入データと組み合わせて</a:t>
+              <a:t>製造業の</a:t>
+            </a:r>
+            <a:r>
+              <a:rPr lang="ja-JP" altLang="ja-JP" sz="2400" u="sng" dirty="0">
+                <a:effectLst/>
+                <a:latin typeface="ＭＳ Ｐゴシック" panose="020B0600070205080204" pitchFamily="50" charset="-128"/>
+                <a:ea typeface="ＭＳ Ｐゴシック" panose="020B0600070205080204" pitchFamily="50" charset="-128"/>
+                <a:cs typeface="ＭＳ 明朝" panose="02020609040205080304" pitchFamily="17" charset="-128"/>
+              </a:rPr>
+              <a:t>産業レベルの輸入データ</a:t>
+            </a:r>
+            <a:r>
+              <a:rPr lang="ja-JP" altLang="ja-JP" sz="2400" dirty="0">
+                <a:effectLst/>
+                <a:latin typeface="ＭＳ Ｐゴシック" panose="020B0600070205080204" pitchFamily="50" charset="-128"/>
+                <a:ea typeface="ＭＳ Ｐゴシック" panose="020B0600070205080204" pitchFamily="50" charset="-128"/>
+                <a:cs typeface="ＭＳ 明朝" panose="02020609040205080304" pitchFamily="17" charset="-128"/>
+              </a:rPr>
+              <a:t>と組み合わせて</a:t>
             </a:r>
             <a:r>
               <a:rPr lang="ja-JP" altLang="en-US" sz="2400" dirty="0">
@@ -19033,16 +19174,52 @@
                 <a:ea typeface="ＭＳ Ｐゴシック" panose="020B0600070205080204" pitchFamily="50" charset="-128"/>
                 <a:cs typeface="ＭＳ 明朝" panose="02020609040205080304" pitchFamily="17" charset="-128"/>
               </a:rPr>
-              <a:t>アメリカの労働者個々人のパネルデータ（</a:t>
-            </a:r>
-            <a:r>
-              <a:rPr lang="en-US" altLang="ja-JP" sz="2400" dirty="0">
+              <a:t>アメリカの</a:t>
+            </a:r>
+            <a:r>
+              <a:rPr lang="ja-JP" altLang="ja-JP" sz="2400" u="sng" dirty="0">
                 <a:effectLst/>
                 <a:latin typeface="ＭＳ Ｐゴシック" panose="020B0600070205080204" pitchFamily="50" charset="-128"/>
                 <a:ea typeface="ＭＳ Ｐゴシック" panose="020B0600070205080204" pitchFamily="50" charset="-128"/>
                 <a:cs typeface="ＭＳ 明朝" panose="02020609040205080304" pitchFamily="17" charset="-128"/>
               </a:rPr>
+              <a:t>労働者個々人のパネルデータ（</a:t>
+            </a:r>
+            <a:r>
+              <a:rPr lang="en-US" altLang="ja-JP" sz="2400" u="sng" dirty="0">
+                <a:effectLst/>
+                <a:latin typeface="ＭＳ Ｐゴシック" panose="020B0600070205080204" pitchFamily="50" charset="-128"/>
+                <a:ea typeface="ＭＳ Ｐゴシック" panose="020B0600070205080204" pitchFamily="50" charset="-128"/>
+                <a:cs typeface="ＭＳ 明朝" panose="02020609040205080304" pitchFamily="17" charset="-128"/>
+              </a:rPr>
               <a:t>1992</a:t>
+            </a:r>
+            <a:r>
+              <a:rPr lang="ja-JP" altLang="ja-JP" sz="2400" u="sng" dirty="0">
+                <a:effectLst/>
+                <a:latin typeface="ＭＳ Ｐゴシック" panose="020B0600070205080204" pitchFamily="50" charset="-128"/>
+                <a:ea typeface="ＭＳ Ｐゴシック" panose="020B0600070205080204" pitchFamily="50" charset="-128"/>
+                <a:cs typeface="ＭＳ 明朝" panose="02020609040205080304" pitchFamily="17" charset="-128"/>
+              </a:rPr>
+              <a:t>〜</a:t>
+            </a:r>
+            <a:r>
+              <a:rPr lang="en-US" altLang="ja-JP" sz="2400" u="sng" dirty="0">
+                <a:effectLst/>
+                <a:latin typeface="ＭＳ Ｐゴシック" panose="020B0600070205080204" pitchFamily="50" charset="-128"/>
+                <a:ea typeface="ＭＳ Ｐゴシック" panose="020B0600070205080204" pitchFamily="50" charset="-128"/>
+                <a:cs typeface="ＭＳ 明朝" panose="02020609040205080304" pitchFamily="17" charset="-128"/>
+              </a:rPr>
+              <a:t>2007</a:t>
+            </a:r>
+            <a:r>
+              <a:rPr lang="ja-JP" altLang="ja-JP" sz="2400" u="sng" dirty="0">
+                <a:effectLst/>
+                <a:latin typeface="ＭＳ Ｐゴシック" panose="020B0600070205080204" pitchFamily="50" charset="-128"/>
+                <a:ea typeface="ＭＳ Ｐゴシック" panose="020B0600070205080204" pitchFamily="50" charset="-128"/>
+                <a:cs typeface="ＭＳ 明朝" panose="02020609040205080304" pitchFamily="17" charset="-128"/>
+              </a:rPr>
+              <a:t>）</a:t>
             </a:r>
             <a:r>
               <a:rPr lang="ja-JP" altLang="ja-JP" sz="2400" dirty="0">
@@ -19051,16 +19228,16 @@
                 <a:ea typeface="ＭＳ Ｐゴシック" panose="020B0600070205080204" pitchFamily="50" charset="-128"/>
                 <a:cs typeface="ＭＳ 明朝" panose="02020609040205080304" pitchFamily="17" charset="-128"/>
               </a:rPr>
-              <a:t>〜</a:t>
-            </a:r>
-            <a:r>
-              <a:rPr lang="en-US" altLang="ja-JP" sz="2400" dirty="0">
+              <a:t>を用いた分析によれば</a:t>
+            </a:r>
+            <a:r>
+              <a:rPr lang="ja-JP" altLang="en-US" sz="2400" dirty="0">
                 <a:effectLst/>
                 <a:latin typeface="ＭＳ Ｐゴシック" panose="020B0600070205080204" pitchFamily="50" charset="-128"/>
                 <a:ea typeface="ＭＳ Ｐゴシック" panose="020B0600070205080204" pitchFamily="50" charset="-128"/>
                 <a:cs typeface="ＭＳ 明朝" panose="02020609040205080304" pitchFamily="17" charset="-128"/>
               </a:rPr>
-              <a:t>2007</a:t>
+              <a:t>，</a:t>
             </a:r>
             <a:r>
               <a:rPr lang="ja-JP" altLang="ja-JP" sz="2400" dirty="0">
@@ -19069,7 +19246,7 @@
                 <a:ea typeface="ＭＳ Ｐゴシック" panose="020B0600070205080204" pitchFamily="50" charset="-128"/>
                 <a:cs typeface="ＭＳ 明朝" panose="02020609040205080304" pitchFamily="17" charset="-128"/>
               </a:rPr>
-              <a:t>）を用いた分析によれば</a:t>
+              <a:t>中国との輸入競争にさらされた産業の労働者ほど</a:t>
             </a:r>
             <a:r>
               <a:rPr lang="ja-JP" altLang="en-US" sz="2400" dirty="0">
@@ -19087,7 +19264,7 @@
                 <a:ea typeface="ＭＳ Ｐゴシック" panose="020B0600070205080204" pitchFamily="50" charset="-128"/>
                 <a:cs typeface="ＭＳ 明朝" panose="02020609040205080304" pitchFamily="17" charset="-128"/>
               </a:rPr>
-              <a:t>中国との輸入競争にさらされた産業の労働者ほど</a:t>
+              <a:t>その後の所得が低下し</a:t>
             </a:r>
             <a:r>
               <a:rPr lang="ja-JP" altLang="en-US" sz="2400" dirty="0">
@@ -19099,31 +19276,22 @@
               <a:t>，</a:t>
             </a:r>
             <a:r>
+              <a:rPr lang="ja-JP" altLang="ja-JP" sz="2400" u="sng" dirty="0">
+                <a:effectLst/>
+                <a:latin typeface="ＭＳ Ｐゴシック" panose="020B0600070205080204" pitchFamily="50" charset="-128"/>
+                <a:ea typeface="ＭＳ Ｐゴシック" panose="020B0600070205080204" pitchFamily="50" charset="-128"/>
+                <a:cs typeface="ＭＳ 明朝" panose="02020609040205080304" pitchFamily="17" charset="-128"/>
+              </a:rPr>
+              <a:t>公的扶助を得ることになる確率が高い</a:t>
+            </a:r>
+            <a:r>
               <a:rPr lang="ja-JP" altLang="ja-JP" sz="2400" dirty="0">
                 <a:effectLst/>
                 <a:latin typeface="ＭＳ Ｐゴシック" panose="020B0600070205080204" pitchFamily="50" charset="-128"/>
                 <a:ea typeface="ＭＳ Ｐゴシック" panose="020B0600070205080204" pitchFamily="50" charset="-128"/>
                 <a:cs typeface="ＭＳ 明朝" panose="02020609040205080304" pitchFamily="17" charset="-128"/>
               </a:rPr>
-              <a:t>その後の所得が低下し</a:t>
-            </a:r>
-            <a:r>
-              <a:rPr lang="ja-JP" altLang="en-US" sz="2400" dirty="0">
-                <a:effectLst/>
-                <a:latin typeface="ＭＳ Ｐゴシック" panose="020B0600070205080204" pitchFamily="50" charset="-128"/>
-                <a:ea typeface="ＭＳ Ｐゴシック" panose="020B0600070205080204" pitchFamily="50" charset="-128"/>
-                <a:cs typeface="ＭＳ 明朝" panose="02020609040205080304" pitchFamily="17" charset="-128"/>
-              </a:rPr>
-              <a:t>，</a:t>
-            </a:r>
-            <a:r>
-              <a:rPr lang="ja-JP" altLang="ja-JP" sz="2400" dirty="0">
-                <a:effectLst/>
-                <a:latin typeface="ＭＳ Ｐゴシック" panose="020B0600070205080204" pitchFamily="50" charset="-128"/>
-                <a:ea typeface="ＭＳ Ｐゴシック" panose="020B0600070205080204" pitchFamily="50" charset="-128"/>
-                <a:cs typeface="ＭＳ 明朝" panose="02020609040205080304" pitchFamily="17" charset="-128"/>
-              </a:rPr>
-              <a:t>公的扶助を得ることになる確率が高い。</a:t>
+              <a:t>。</a:t>
             </a:r>
             <a:endParaRPr lang="en-US" altLang="ja-JP" sz="2400" dirty="0">
               <a:effectLst/>
@@ -19152,13 +19320,22 @@
               <a:t>，</a:t>
             </a:r>
             <a:r>
+              <a:rPr lang="ja-JP" altLang="ja-JP" sz="2400" u="sng" dirty="0">
+                <a:effectLst/>
+                <a:latin typeface="ＭＳ Ｐゴシック" panose="020B0600070205080204" pitchFamily="50" charset="-128"/>
+                <a:ea typeface="ＭＳ Ｐゴシック" panose="020B0600070205080204" pitchFamily="50" charset="-128"/>
+                <a:cs typeface="ＭＳ 明朝" panose="02020609040205080304" pitchFamily="17" charset="-128"/>
+              </a:rPr>
+              <a:t>もともと賃金が低かった労働者</a:t>
+            </a:r>
+            <a:r>
               <a:rPr lang="ja-JP" altLang="ja-JP" sz="2400" dirty="0">
                 <a:effectLst/>
                 <a:latin typeface="ＭＳ Ｐゴシック" panose="020B0600070205080204" pitchFamily="50" charset="-128"/>
                 <a:ea typeface="ＭＳ Ｐゴシック" panose="020B0600070205080204" pitchFamily="50" charset="-128"/>
                 <a:cs typeface="ＭＳ 明朝" panose="02020609040205080304" pitchFamily="17" charset="-128"/>
               </a:rPr>
-              <a:t>もともと賃金が低かった労働者ほど</a:t>
+              <a:t>ほど</a:t>
             </a:r>
             <a:r>
               <a:rPr lang="ja-JP" altLang="en-US" sz="2400" dirty="0">
@@ -19335,6 +19512,9 @@
             <a:r>
               <a:rPr lang="ja-JP" altLang="ja-JP" sz="2400" b="1" dirty="0">
                 <a:effectLst/>
+                <a:highlight>
+                  <a:srgbClr val="FFFF00"/>
+                </a:highlight>
                 <a:latin typeface="ＭＳ Ｐゴシック" panose="020B0600070205080204" pitchFamily="50" charset="-128"/>
                 <a:ea typeface="ＭＳ Ｐゴシック" panose="020B0600070205080204" pitchFamily="50" charset="-128"/>
                 <a:cs typeface="ＭＳ 明朝" panose="02020609040205080304" pitchFamily="17" charset="-128"/>
@@ -19344,6 +19524,9 @@
             <a:r>
               <a:rPr lang="ja-JP" altLang="en-US" sz="2400" b="1" dirty="0">
                 <a:effectLst/>
+                <a:highlight>
+                  <a:srgbClr val="FFFF00"/>
+                </a:highlight>
                 <a:latin typeface="ＭＳ Ｐゴシック" panose="020B0600070205080204" pitchFamily="50" charset="-128"/>
                 <a:ea typeface="ＭＳ Ｐゴシック" panose="020B0600070205080204" pitchFamily="50" charset="-128"/>
                 <a:cs typeface="ＭＳ 明朝" panose="02020609040205080304" pitchFamily="17" charset="-128"/>
@@ -19353,6 +19536,9 @@
             <a:r>
               <a:rPr lang="ja-JP" altLang="ja-JP" sz="2400" dirty="0">
                 <a:effectLst/>
+                <a:highlight>
+                  <a:srgbClr val="FFFF00"/>
+                </a:highlight>
                 <a:latin typeface="ＭＳ Ｐゴシック" panose="020B0600070205080204" pitchFamily="50" charset="-128"/>
                 <a:ea typeface="ＭＳ Ｐゴシック" panose="020B0600070205080204" pitchFamily="50" charset="-128"/>
                 <a:cs typeface="ＭＳ 明朝" panose="02020609040205080304" pitchFamily="17" charset="-128"/>
@@ -19362,6 +19548,9 @@
             <a:r>
               <a:rPr lang="ja-JP" altLang="en-US" sz="2400" b="1" dirty="0">
                 <a:effectLst/>
+                <a:highlight>
+                  <a:srgbClr val="FFFF00"/>
+                </a:highlight>
                 <a:latin typeface="ＭＳ Ｐゴシック" panose="020B0600070205080204" pitchFamily="50" charset="-128"/>
                 <a:ea typeface="ＭＳ Ｐゴシック" panose="020B0600070205080204" pitchFamily="50" charset="-128"/>
                 <a:cs typeface="ＭＳ 明朝" panose="02020609040205080304" pitchFamily="17" charset="-128"/>
@@ -19798,7 +19987,19 @@
           <a:p>
             <a:r>
               <a:rPr kumimoji="1" lang="ja-JP" altLang="en-US" dirty="0"/>
-              <a:t>オーターらの研究によれば，アメリカでは労働市場の二極化に伴い，人々の政治への態度も極端になる傾向が見られる。</a:t>
+              <a:t>オーターらの研究によれば，アメリカでは</a:t>
+            </a:r>
+            <a:r>
+              <a:rPr kumimoji="1" lang="ja-JP" altLang="en-US" dirty="0">
+                <a:highlight>
+                  <a:srgbClr val="FFFF00"/>
+                </a:highlight>
+              </a:rPr>
+              <a:t>労働市場の二極化</a:t>
+            </a:r>
+            <a:r>
+              <a:rPr kumimoji="1" lang="ja-JP" altLang="en-US" dirty="0"/>
+              <a:t>に伴い，人々の政治への態度も極端になる傾向が見られる。</a:t>
             </a:r>
             <a:endParaRPr kumimoji="1" lang="en-US" altLang="ja-JP" dirty="0"/>
           </a:p>
@@ -19806,7 +20007,15 @@
             <a:pPr lvl="1"/>
             <a:r>
               <a:rPr kumimoji="1" lang="ja-JP" altLang="en-US" dirty="0"/>
-              <a:t>中国からの輸入との競争に強くさらされた選挙区では，穏健派候補への支持が減少している。たとえば，もともと共和党が握っていた選挙区では，保守的な共和党候補が選出され，もともと民主党が握っていた選挙区では，リベラルな民主党候補か保守的な共和党候補が選出される傾向が見られる。</a:t>
+              <a:t>中国からの</a:t>
+            </a:r>
+            <a:r>
+              <a:rPr kumimoji="1" lang="ja-JP" altLang="en-US" u="sng" dirty="0"/>
+              <a:t>輸入との競争に強くさらされた選挙区では，穏健派候補への支持が減少している</a:t>
+            </a:r>
+            <a:r>
+              <a:rPr kumimoji="1" lang="ja-JP" altLang="en-US" dirty="0"/>
+              <a:t>。たとえば，もともと共和党が握っていた選挙区では，保守的な共和党候補が選出され，もともと民主党が握っていた選挙区では，リベラルな民主党候補か保守的な共和党候補が選出される傾向が見られる。</a:t>
             </a:r>
             <a:endParaRPr kumimoji="1" lang="en-US" altLang="ja-JP" dirty="0"/>
           </a:p>
@@ -19953,15 +20162,39 @@
             </a:r>
             <a:r>
               <a:rPr kumimoji="1" lang="ja-JP" altLang="en-US" dirty="0"/>
-              <a:t>年のデータを用いた研究（</a:t>
-            </a:r>
-            <a:r>
-              <a:rPr kumimoji="1" lang="en-US" altLang="ja-JP" dirty="0"/>
+              <a:t>年のデータを用いた研究</a:t>
+            </a:r>
+            <a:r>
+              <a:rPr kumimoji="1" lang="ja-JP" altLang="en-US" dirty="0">
+                <a:highlight>
+                  <a:srgbClr val="FFFF00"/>
+                </a:highlight>
+              </a:rPr>
+              <a:t>（</a:t>
+            </a:r>
+            <a:r>
+              <a:rPr kumimoji="1" lang="en-US" altLang="ja-JP" dirty="0">
+                <a:highlight>
+                  <a:srgbClr val="FFFF00"/>
+                </a:highlight>
+              </a:rPr>
               <a:t>Taniguchi, 2019) </a:t>
             </a:r>
             <a:r>
               <a:rPr kumimoji="1" lang="ja-JP" altLang="en-US" dirty="0"/>
-              <a:t>によれば，中国からの輸入の増大は，日本ではむしろ製造業の雇用を増やす傾向を持っている。</a:t>
+              <a:t>によれば，</a:t>
+            </a:r>
+            <a:r>
+              <a:rPr kumimoji="1" lang="ja-JP" altLang="en-US" dirty="0">
+                <a:highlight>
+                  <a:srgbClr val="FFFF00"/>
+                </a:highlight>
+              </a:rPr>
+              <a:t>中国からの輸入の増大は，日本ではむしろ製造業の雇用を増やす</a:t>
+            </a:r>
+            <a:r>
+              <a:rPr kumimoji="1" lang="ja-JP" altLang="en-US" dirty="0"/>
+              <a:t>傾向を持っている。</a:t>
             </a:r>
             <a:endParaRPr kumimoji="1" lang="en-US" altLang="ja-JP" dirty="0"/>
           </a:p>
@@ -20323,19 +20556,19 @@
           </a:p>
           <a:p>
             <a:r>
-              <a:rPr lang="ja-JP" altLang="en-US" dirty="0"/>
+              <a:rPr lang="ja-JP" altLang="en-US" u="sng" dirty="0"/>
               <a:t>しかし，</a:t>
             </a:r>
             <a:r>
-              <a:rPr lang="zh-CN" altLang="en-US" dirty="0"/>
+              <a:rPr lang="zh-CN" altLang="en-US" u="sng" dirty="0"/>
               <a:t>貿易利益</a:t>
             </a:r>
             <a:r>
-              <a:rPr lang="ja-JP" altLang="en-US" dirty="0"/>
+              <a:rPr lang="ja-JP" altLang="en-US" u="sng" dirty="0"/>
               <a:t>が</a:t>
             </a:r>
             <a:r>
-              <a:rPr lang="zh-CN" altLang="en-US" dirty="0">
+              <a:rPr lang="zh-CN" altLang="en-US" u="sng" dirty="0">
                 <a:highlight>
                   <a:srgbClr val="FFFF00"/>
                 </a:highlight>
@@ -20343,7 +20576,7 @@
               <a:t>平等</a:t>
             </a:r>
             <a:r>
-              <a:rPr lang="ja-JP" altLang="en-US" dirty="0">
+              <a:rPr lang="ja-JP" altLang="en-US" u="sng" dirty="0">
                 <a:highlight>
                   <a:srgbClr val="FFFF00"/>
                 </a:highlight>
@@ -20351,30 +20584,30 @@
               <a:t>に</a:t>
             </a:r>
             <a:r>
-              <a:rPr lang="zh-CN" altLang="en-US" dirty="0"/>
+              <a:rPr lang="zh-CN" altLang="en-US" u="sng" dirty="0"/>
               <a:t>人々</a:t>
             </a:r>
             <a:r>
-              <a:rPr lang="ja-JP" altLang="en-US" dirty="0"/>
+              <a:rPr lang="ja-JP" altLang="en-US" u="sng" dirty="0"/>
               <a:t>に</a:t>
             </a:r>
             <a:r>
-              <a:rPr lang="zh-CN" altLang="en-US" dirty="0"/>
+              <a:rPr lang="zh-CN" altLang="en-US" u="sng" dirty="0"/>
               <a:t>分配</a:t>
             </a:r>
             <a:r>
-              <a:rPr lang="ja-JP" altLang="en-US" dirty="0"/>
+              <a:rPr lang="ja-JP" altLang="en-US" u="sng" dirty="0"/>
               <a:t>されるとは</a:t>
             </a:r>
             <a:r>
-              <a:rPr lang="zh-CN" altLang="en-US" dirty="0"/>
+              <a:rPr lang="zh-CN" altLang="en-US" u="sng" dirty="0"/>
               <a:t>限</a:t>
             </a:r>
             <a:r>
-              <a:rPr lang="ja-JP" altLang="en-US" dirty="0"/>
+              <a:rPr lang="ja-JP" altLang="en-US" u="sng" dirty="0"/>
               <a:t>らない。</a:t>
             </a:r>
-            <a:endParaRPr lang="en-US" altLang="ja-JP" dirty="0"/>
+            <a:endParaRPr lang="en-US" altLang="ja-JP" u="sng" dirty="0"/>
           </a:p>
           <a:p>
             <a:r>
